--- a/CVs/employee_a.pptx
+++ b/CVs/employee_a.pptx
@@ -3142,7 +3142,7 @@
           <a:noFill/>
         </p:spPr>
         <p:txBody>
-          <a:bodyPr wrap="none">
+          <a:bodyPr wrap="square">
             <a:spAutoFit/>
           </a:bodyPr>
           <a:lstStyle/>
@@ -3175,7 +3175,7 @@
         <p:spPr>
           <a:xfrm>
             <a:off x="457200" y="2651760"/>
-            <a:ext cx="3657600" cy="1097280"/>
+            <a:ext cx="3657600" cy="1371600"/>
           </a:xfrm>
           <a:prstGeom prst="rect">
             <a:avLst/>
@@ -3183,7 +3183,7 @@
           <a:noFill/>
         </p:spPr>
         <p:txBody>
-          <a:bodyPr wrap="none">
+          <a:bodyPr wrap="square">
             <a:spAutoFit/>
           </a:bodyPr>
           <a:lstStyle/>
@@ -3224,7 +3224,7 @@
           <a:noFill/>
         </p:spPr>
         <p:txBody>
-          <a:bodyPr wrap="none">
+          <a:bodyPr wrap="square">
             <a:spAutoFit/>
           </a:bodyPr>
           <a:lstStyle/>
@@ -3243,15 +3243,15 @@
               <a:defRPr sz="1400"/>
             </a:pPr>
             <a:r>
-              <a:t>Agile</a:t>
+              <a:t>JavaScript</a:t>
             </a:r>
             <a:br/>
             <a:r>
-              <a:t>Agile/DevOps</a:t>
+              <a:t>GitHub</a:t>
             </a:r>
             <a:br/>
             <a:r>
-              <a:t>Architecture</a:t>
+              <a:t>Redis</a:t>
             </a:r>
             <a:br/>
             <a:r>
@@ -3259,7 +3259,7 @@
             </a:r>
             <a:br/>
             <a:r>
-              <a:t>Build Management</a:t>
+              <a:t>Git</a:t>
             </a:r>
             <a:br/>
             <a:r>
@@ -3267,107 +3267,19 @@
             </a:r>
             <a:br/>
             <a:r>
-              <a:t>Custom &amp; Integration Architectures</a:t>
+              <a:t>Spring Framework</a:t>
             </a:r>
             <a:br/>
             <a:r>
-              <a:t>Custom Development</a:t>
+              <a:t>Ruby on Rails</a:t>
             </a:r>
             <a:br/>
             <a:r>
-              <a:t>Design &amp; Build Enablement</a:t>
+              <a:t>Java Programming language</a:t>
             </a:r>
             <a:br/>
             <a:r>
-              <a:t>DevOps</a:t>
-            </a:r>
-            <a:br/>
-            <a:r>
-              <a:t>Front End Development</a:t>
-            </a:r>
-            <a:br/>
-            <a:r>
-              <a:t>Git</a:t>
-            </a:r>
-            <a:br/>
-            <a:r>
-              <a:t>GitHub</a:t>
-            </a:r>
-            <a:br/>
-            <a:r>
-              <a:t>IT Transformation Planning</a:t>
-            </a:r>
-            <a:br/>
-            <a:r>
-              <a:t>Integration Architecture Blueprint &amp; Design Solutions</a:t>
-            </a:r>
-            <a:br/>
-            <a:r>
-              <a:t>Java Enterprise Back End</a:t>
-            </a:r>
-            <a:br/>
-            <a:r>
-              <a:t>Java Programming language</a:t>
-            </a:r>
-            <a:br/>
-            <a:r>
-              <a:t>JavaScript</a:t>
-            </a:r>
-            <a:br/>
-            <a:r>
-              <a:t>JavaScript Back End Engineering</a:t>
-            </a:r>
-            <a:br/>
-            <a:r>
-              <a:t>JavaScript Front End Engineering</a:t>
-            </a:r>
-            <a:br/>
-            <a:r>
-              <a:t>Microsoft</a:t>
-            </a:r>
-            <a:br/>
-            <a:r>
-              <a:t>Microsoft Development</a:t>
-            </a:r>
-            <a:br/>
-            <a:r>
-              <a:t>Mobility</a:t>
-            </a:r>
-            <a:br/>
-            <a:r>
-              <a:t>Mobility Platforms</a:t>
-            </a:r>
-            <a:br/>
-            <a:r>
-              <a:t>Quality Engineering</a:t>
-            </a:r>
-            <a:br/>
-            <a:r>
-              <a:t>Redis</a:t>
-            </a:r>
-            <a:br/>
-            <a:r>
               <a:t>Restful API</a:t>
-            </a:r>
-            <a:br/>
-            <a:r>
-              <a:t>Ruby on Rails</a:t>
-            </a:r>
-            <a:br/>
-            <a:r>
-              <a:t>Scrum</a:t>
-            </a:r>
-            <a:br/>
-            <a:r>
-              <a:t>Spring</a:t>
-            </a:r>
-            <a:br/>
-            <a:r>
-              <a:t>Spring Framework</a:t>
-            </a:r>
-            <a:br/>
-            <a:r>
-              <a:t>Test Automation</a:t>
             </a:r>
           </a:p>
         </p:txBody>
@@ -3389,7 +3301,7 @@
           <a:noFill/>
         </p:spPr>
         <p:txBody>
-          <a:bodyPr wrap="none">
+          <a:bodyPr wrap="square">
             <a:spAutoFit/>
           </a:bodyPr>
           <a:lstStyle/>
@@ -3429,7 +3341,7 @@
         </p:nvSpPr>
         <p:spPr>
           <a:xfrm>
-            <a:off x="6217920" y="1463040"/>
+            <a:off x="5486400" y="2011680"/>
             <a:ext cx="3200400" cy="5486400"/>
           </a:xfrm>
           <a:prstGeom prst="rect">
@@ -3438,11 +3350,14 @@
           <a:noFill/>
         </p:spPr>
         <p:txBody>
-          <a:bodyPr wrap="none">
+          <a:bodyPr wrap="square">
             <a:spAutoFit/>
           </a:bodyPr>
           <a:lstStyle/>
           <a:p>
+            <a:pPr>
+              <a:defRPr sz="1400"/>
+            </a:pPr>
             <a:r>
               <a:rPr b="1">
                 <a:solidFill>
